--- a/week8/discussion8.pptx
+++ b/week8/discussion8.pptx
@@ -7751,31 +7751,6 @@
             <a:r>
               <a:rPr sz="3600"/>
               <a:t> X ∩ Y → Y</a:t>
-            </a:r>
-            <a:endParaRPr sz="3600"/>
-          </a:p>
-          <a:p>
-            <a:pPr lvl="1">
-              <a:spcBef>
-                <a:spcPts val="1500"/>
-              </a:spcBef>
-              <a:defRPr sz="1800"/>
-            </a:pPr>
-            <a:r>
-              <a:rPr sz="3600"/>
-              <a:t>BCNF usually produces lossless join when decomposing X </a:t>
-            </a:r>
-            <a:r>
-              <a:rPr sz="3600"/>
-              <a:t>→ A, </a:t>
-            </a:r>
-            <a:r>
-              <a:rPr b="1" sz="3600"/>
-              <a:t>except</a:t>
-            </a:r>
-            <a:r>
-              <a:rPr sz="3600"/>
-              <a:t> when A contains some part of X</a:t>
             </a:r>
           </a:p>
         </p:txBody>
